--- a/除你以外(粵語).pptx
+++ b/除你以外(粵語).pptx
@@ -2,7 +2,7 @@
 <file path=ppt/presentation.xml><?xml version="1.0" encoding="utf-8"?>
 <p:presentation xmlns:a="http://schemas.openxmlformats.org/drawingml/2006/main" xmlns:r="http://schemas.openxmlformats.org/officeDocument/2006/relationships" xmlns:p="http://schemas.openxmlformats.org/presentationml/2006/main" saveSubsetFonts="1">
   <p:sldMasterIdLst>
-    <p:sldMasterId id="2147483660" r:id="rId1"/>
+    <p:sldMasterId id="2147483672" r:id="rId1"/>
   </p:sldMasterIdLst>
   <p:sldIdLst>
     <p:sldId id="257" r:id="rId2"/>
@@ -127,7 +127,7 @@
       </p:grpSpPr>
       <p:sp>
         <p:nvSpPr>
-          <p:cNvPr id="2" name="Title 1"/>
+          <p:cNvPr id="2" name="標題 1"/>
           <p:cNvSpPr>
             <a:spLocks noGrp="1"/>
           </p:cNvSpPr>
@@ -149,13 +149,13 @@
               <a:rPr lang="zh-TW" altLang="en-US" smtClean="0"/>
               <a:t>按一下以編輯母片標題樣式</a:t>
             </a:r>
-            <a:endParaRPr lang="en-US"/>
-          </a:p>
-        </p:txBody>
-      </p:sp>
-      <p:sp>
-        <p:nvSpPr>
-          <p:cNvPr id="3" name="Subtitle 2"/>
+            <a:endParaRPr lang="zh-TW" altLang="en-US"/>
+          </a:p>
+        </p:txBody>
+      </p:sp>
+      <p:sp>
+        <p:nvSpPr>
+          <p:cNvPr id="3" name="副標題 2"/>
           <p:cNvSpPr>
             <a:spLocks noGrp="1"/>
           </p:cNvSpPr>
@@ -268,13 +268,13 @@
               <a:rPr lang="zh-TW" altLang="en-US" smtClean="0"/>
               <a:t>按一下以編輯母片副標題樣式</a:t>
             </a:r>
-            <a:endParaRPr lang="en-US"/>
-          </a:p>
-        </p:txBody>
-      </p:sp>
-      <p:sp>
-        <p:nvSpPr>
-          <p:cNvPr id="4" name="Date Placeholder 3"/>
+            <a:endParaRPr lang="zh-TW" altLang="en-US"/>
+          </a:p>
+        </p:txBody>
+      </p:sp>
+      <p:sp>
+        <p:nvSpPr>
+          <p:cNvPr id="4" name="日期版面配置區 3"/>
           <p:cNvSpPr>
             <a:spLocks noGrp="1"/>
           </p:cNvSpPr>
@@ -289,7 +289,8 @@
           <a:p>
             <a:fld id="{DB6A4473-6871-43EA-8769-892AAA22AF74}" type="datetimeFigureOut">
               <a:rPr lang="zh-TW" altLang="en-US" smtClean="0"/>
-              <a:t>2017/4/30</a:t>
+              <a:pPr/>
+              <a:t>2019/2/16</a:t>
             </a:fld>
             <a:endParaRPr lang="zh-TW" altLang="en-US"/>
           </a:p>
@@ -297,7 +298,7 @@
       </p:sp>
       <p:sp>
         <p:nvSpPr>
-          <p:cNvPr id="5" name="Footer Placeholder 4"/>
+          <p:cNvPr id="5" name="頁尾版面配置區 4"/>
           <p:cNvSpPr>
             <a:spLocks noGrp="1"/>
           </p:cNvSpPr>
@@ -316,7 +317,7 @@
       </p:sp>
       <p:sp>
         <p:nvSpPr>
-          <p:cNvPr id="6" name="Slide Number Placeholder 5"/>
+          <p:cNvPr id="6" name="投影片編號版面配置區 5"/>
           <p:cNvSpPr>
             <a:spLocks noGrp="1"/>
           </p:cNvSpPr>
@@ -331,6 +332,7 @@
           <a:p>
             <a:fld id="{5731F346-57BF-444E-99B5-2774E9940C57}" type="slidenum">
               <a:rPr lang="zh-TW" altLang="en-US" smtClean="0"/>
+              <a:pPr/>
               <a:t>‹#›</a:t>
             </a:fld>
             <a:endParaRPr lang="zh-TW" altLang="en-US"/>
@@ -364,7 +366,7 @@
       </p:grpSpPr>
       <p:sp>
         <p:nvSpPr>
-          <p:cNvPr id="2" name="Title 1"/>
+          <p:cNvPr id="2" name="標題 1"/>
           <p:cNvSpPr>
             <a:spLocks noGrp="1"/>
           </p:cNvSpPr>
@@ -381,13 +383,13 @@
               <a:rPr lang="zh-TW" altLang="en-US" smtClean="0"/>
               <a:t>按一下以編輯母片標題樣式</a:t>
             </a:r>
-            <a:endParaRPr lang="en-US"/>
-          </a:p>
-        </p:txBody>
-      </p:sp>
-      <p:sp>
-        <p:nvSpPr>
-          <p:cNvPr id="3" name="Vertical Text Placeholder 2"/>
+            <a:endParaRPr lang="zh-TW" altLang="en-US"/>
+          </a:p>
+        </p:txBody>
+      </p:sp>
+      <p:sp>
+        <p:nvSpPr>
+          <p:cNvPr id="3" name="直排文字版面配置區 2"/>
           <p:cNvSpPr>
             <a:spLocks noGrp="1"/>
           </p:cNvSpPr>
@@ -433,13 +435,13 @@
               <a:rPr lang="zh-TW" altLang="en-US" smtClean="0"/>
               <a:t>第五層</a:t>
             </a:r>
-            <a:endParaRPr lang="en-US"/>
-          </a:p>
-        </p:txBody>
-      </p:sp>
-      <p:sp>
-        <p:nvSpPr>
-          <p:cNvPr id="4" name="Date Placeholder 3"/>
+            <a:endParaRPr lang="zh-TW" altLang="en-US"/>
+          </a:p>
+        </p:txBody>
+      </p:sp>
+      <p:sp>
+        <p:nvSpPr>
+          <p:cNvPr id="4" name="日期版面配置區 3"/>
           <p:cNvSpPr>
             <a:spLocks noGrp="1"/>
           </p:cNvSpPr>
@@ -454,7 +456,8 @@
           <a:p>
             <a:fld id="{DB6A4473-6871-43EA-8769-892AAA22AF74}" type="datetimeFigureOut">
               <a:rPr lang="zh-TW" altLang="en-US" smtClean="0"/>
-              <a:t>2017/4/30</a:t>
+              <a:pPr/>
+              <a:t>2019/2/16</a:t>
             </a:fld>
             <a:endParaRPr lang="zh-TW" altLang="en-US"/>
           </a:p>
@@ -462,7 +465,7 @@
       </p:sp>
       <p:sp>
         <p:nvSpPr>
-          <p:cNvPr id="5" name="Footer Placeholder 4"/>
+          <p:cNvPr id="5" name="頁尾版面配置區 4"/>
           <p:cNvSpPr>
             <a:spLocks noGrp="1"/>
           </p:cNvSpPr>
@@ -481,7 +484,7 @@
       </p:sp>
       <p:sp>
         <p:nvSpPr>
-          <p:cNvPr id="6" name="Slide Number Placeholder 5"/>
+          <p:cNvPr id="6" name="投影片編號版面配置區 5"/>
           <p:cNvSpPr>
             <a:spLocks noGrp="1"/>
           </p:cNvSpPr>
@@ -496,6 +499,7 @@
           <a:p>
             <a:fld id="{5731F346-57BF-444E-99B5-2774E9940C57}" type="slidenum">
               <a:rPr lang="zh-TW" altLang="en-US" smtClean="0"/>
+              <a:pPr/>
               <a:t>‹#›</a:t>
             </a:fld>
             <a:endParaRPr lang="zh-TW" altLang="en-US"/>
@@ -529,7 +533,7 @@
       </p:grpSpPr>
       <p:sp>
         <p:nvSpPr>
-          <p:cNvPr id="2" name="Vertical Title 1"/>
+          <p:cNvPr id="2" name="直排標題 1"/>
           <p:cNvSpPr>
             <a:spLocks noGrp="1"/>
           </p:cNvSpPr>
@@ -551,13 +555,13 @@
               <a:rPr lang="zh-TW" altLang="en-US" smtClean="0"/>
               <a:t>按一下以編輯母片標題樣式</a:t>
             </a:r>
-            <a:endParaRPr lang="en-US"/>
-          </a:p>
-        </p:txBody>
-      </p:sp>
-      <p:sp>
-        <p:nvSpPr>
-          <p:cNvPr id="3" name="Vertical Text Placeholder 2"/>
+            <a:endParaRPr lang="zh-TW" altLang="en-US"/>
+          </a:p>
+        </p:txBody>
+      </p:sp>
+      <p:sp>
+        <p:nvSpPr>
+          <p:cNvPr id="3" name="直排文字版面配置區 2"/>
           <p:cNvSpPr>
             <a:spLocks noGrp="1"/>
           </p:cNvSpPr>
@@ -608,13 +612,13 @@
               <a:rPr lang="zh-TW" altLang="en-US" smtClean="0"/>
               <a:t>第五層</a:t>
             </a:r>
-            <a:endParaRPr lang="en-US"/>
-          </a:p>
-        </p:txBody>
-      </p:sp>
-      <p:sp>
-        <p:nvSpPr>
-          <p:cNvPr id="4" name="Date Placeholder 3"/>
+            <a:endParaRPr lang="zh-TW" altLang="en-US"/>
+          </a:p>
+        </p:txBody>
+      </p:sp>
+      <p:sp>
+        <p:nvSpPr>
+          <p:cNvPr id="4" name="日期版面配置區 3"/>
           <p:cNvSpPr>
             <a:spLocks noGrp="1"/>
           </p:cNvSpPr>
@@ -629,7 +633,8 @@
           <a:p>
             <a:fld id="{DB6A4473-6871-43EA-8769-892AAA22AF74}" type="datetimeFigureOut">
               <a:rPr lang="zh-TW" altLang="en-US" smtClean="0"/>
-              <a:t>2017/4/30</a:t>
+              <a:pPr/>
+              <a:t>2019/2/16</a:t>
             </a:fld>
             <a:endParaRPr lang="zh-TW" altLang="en-US"/>
           </a:p>
@@ -637,7 +642,7 @@
       </p:sp>
       <p:sp>
         <p:nvSpPr>
-          <p:cNvPr id="5" name="Footer Placeholder 4"/>
+          <p:cNvPr id="5" name="頁尾版面配置區 4"/>
           <p:cNvSpPr>
             <a:spLocks noGrp="1"/>
           </p:cNvSpPr>
@@ -656,7 +661,7 @@
       </p:sp>
       <p:sp>
         <p:nvSpPr>
-          <p:cNvPr id="6" name="Slide Number Placeholder 5"/>
+          <p:cNvPr id="6" name="投影片編號版面配置區 5"/>
           <p:cNvSpPr>
             <a:spLocks noGrp="1"/>
           </p:cNvSpPr>
@@ -671,6 +676,7 @@
           <a:p>
             <a:fld id="{5731F346-57BF-444E-99B5-2774E9940C57}" type="slidenum">
               <a:rPr lang="zh-TW" altLang="en-US" smtClean="0"/>
+              <a:pPr/>
               <a:t>‹#›</a:t>
             </a:fld>
             <a:endParaRPr lang="zh-TW" altLang="en-US"/>
@@ -704,7 +710,7 @@
       </p:grpSpPr>
       <p:sp>
         <p:nvSpPr>
-          <p:cNvPr id="2" name="Title 1"/>
+          <p:cNvPr id="2" name="標題 1"/>
           <p:cNvSpPr>
             <a:spLocks noGrp="1"/>
           </p:cNvSpPr>
@@ -721,13 +727,13 @@
               <a:rPr lang="zh-TW" altLang="en-US" smtClean="0"/>
               <a:t>按一下以編輯母片標題樣式</a:t>
             </a:r>
-            <a:endParaRPr lang="en-US"/>
-          </a:p>
-        </p:txBody>
-      </p:sp>
-      <p:sp>
-        <p:nvSpPr>
-          <p:cNvPr id="3" name="Content Placeholder 2"/>
+            <a:endParaRPr lang="zh-TW" altLang="en-US"/>
+          </a:p>
+        </p:txBody>
+      </p:sp>
+      <p:sp>
+        <p:nvSpPr>
+          <p:cNvPr id="3" name="內容版面配置區 2"/>
           <p:cNvSpPr>
             <a:spLocks noGrp="1"/>
           </p:cNvSpPr>
@@ -773,13 +779,13 @@
               <a:rPr lang="zh-TW" altLang="en-US" smtClean="0"/>
               <a:t>第五層</a:t>
             </a:r>
-            <a:endParaRPr lang="en-US"/>
-          </a:p>
-        </p:txBody>
-      </p:sp>
-      <p:sp>
-        <p:nvSpPr>
-          <p:cNvPr id="4" name="Date Placeholder 3"/>
+            <a:endParaRPr lang="zh-TW" altLang="en-US"/>
+          </a:p>
+        </p:txBody>
+      </p:sp>
+      <p:sp>
+        <p:nvSpPr>
+          <p:cNvPr id="4" name="日期版面配置區 3"/>
           <p:cNvSpPr>
             <a:spLocks noGrp="1"/>
           </p:cNvSpPr>
@@ -794,7 +800,8 @@
           <a:p>
             <a:fld id="{DB6A4473-6871-43EA-8769-892AAA22AF74}" type="datetimeFigureOut">
               <a:rPr lang="zh-TW" altLang="en-US" smtClean="0"/>
-              <a:t>2017/4/30</a:t>
+              <a:pPr/>
+              <a:t>2019/2/16</a:t>
             </a:fld>
             <a:endParaRPr lang="zh-TW" altLang="en-US"/>
           </a:p>
@@ -802,7 +809,7 @@
       </p:sp>
       <p:sp>
         <p:nvSpPr>
-          <p:cNvPr id="5" name="Footer Placeholder 4"/>
+          <p:cNvPr id="5" name="頁尾版面配置區 4"/>
           <p:cNvSpPr>
             <a:spLocks noGrp="1"/>
           </p:cNvSpPr>
@@ -821,7 +828,7 @@
       </p:sp>
       <p:sp>
         <p:nvSpPr>
-          <p:cNvPr id="6" name="Slide Number Placeholder 5"/>
+          <p:cNvPr id="6" name="投影片編號版面配置區 5"/>
           <p:cNvSpPr>
             <a:spLocks noGrp="1"/>
           </p:cNvSpPr>
@@ -836,6 +843,7 @@
           <a:p>
             <a:fld id="{5731F346-57BF-444E-99B5-2774E9940C57}" type="slidenum">
               <a:rPr lang="zh-TW" altLang="en-US" smtClean="0"/>
+              <a:pPr/>
               <a:t>‹#›</a:t>
             </a:fld>
             <a:endParaRPr lang="zh-TW" altLang="en-US"/>
@@ -869,7 +877,7 @@
       </p:grpSpPr>
       <p:sp>
         <p:nvSpPr>
-          <p:cNvPr id="2" name="Title 1"/>
+          <p:cNvPr id="2" name="標題 1"/>
           <p:cNvSpPr>
             <a:spLocks noGrp="1"/>
           </p:cNvSpPr>
@@ -895,13 +903,13 @@
               <a:rPr lang="zh-TW" altLang="en-US" smtClean="0"/>
               <a:t>按一下以編輯母片標題樣式</a:t>
             </a:r>
-            <a:endParaRPr lang="en-US"/>
-          </a:p>
-        </p:txBody>
-      </p:sp>
-      <p:sp>
-        <p:nvSpPr>
-          <p:cNvPr id="3" name="Text Placeholder 2"/>
+            <a:endParaRPr lang="zh-TW" altLang="en-US"/>
+          </a:p>
+        </p:txBody>
+      </p:sp>
+      <p:sp>
+        <p:nvSpPr>
+          <p:cNvPr id="3" name="文字版面配置區 2"/>
           <p:cNvSpPr>
             <a:spLocks noGrp="1"/>
           </p:cNvSpPr>
@@ -1020,7 +1028,7 @@
       </p:sp>
       <p:sp>
         <p:nvSpPr>
-          <p:cNvPr id="4" name="Date Placeholder 3"/>
+          <p:cNvPr id="4" name="日期版面配置區 3"/>
           <p:cNvSpPr>
             <a:spLocks noGrp="1"/>
           </p:cNvSpPr>
@@ -1035,7 +1043,8 @@
           <a:p>
             <a:fld id="{DB6A4473-6871-43EA-8769-892AAA22AF74}" type="datetimeFigureOut">
               <a:rPr lang="zh-TW" altLang="en-US" smtClean="0"/>
-              <a:t>2017/4/30</a:t>
+              <a:pPr/>
+              <a:t>2019/2/16</a:t>
             </a:fld>
             <a:endParaRPr lang="zh-TW" altLang="en-US"/>
           </a:p>
@@ -1043,7 +1052,7 @@
       </p:sp>
       <p:sp>
         <p:nvSpPr>
-          <p:cNvPr id="5" name="Footer Placeholder 4"/>
+          <p:cNvPr id="5" name="頁尾版面配置區 4"/>
           <p:cNvSpPr>
             <a:spLocks noGrp="1"/>
           </p:cNvSpPr>
@@ -1062,7 +1071,7 @@
       </p:sp>
       <p:sp>
         <p:nvSpPr>
-          <p:cNvPr id="6" name="Slide Number Placeholder 5"/>
+          <p:cNvPr id="6" name="投影片編號版面配置區 5"/>
           <p:cNvSpPr>
             <a:spLocks noGrp="1"/>
           </p:cNvSpPr>
@@ -1077,6 +1086,7 @@
           <a:p>
             <a:fld id="{5731F346-57BF-444E-99B5-2774E9940C57}" type="slidenum">
               <a:rPr lang="zh-TW" altLang="en-US" smtClean="0"/>
+              <a:pPr/>
               <a:t>‹#›</a:t>
             </a:fld>
             <a:endParaRPr lang="zh-TW" altLang="en-US"/>
@@ -1110,7 +1120,7 @@
       </p:grpSpPr>
       <p:sp>
         <p:nvSpPr>
-          <p:cNvPr id="2" name="Title 1"/>
+          <p:cNvPr id="2" name="標題 1"/>
           <p:cNvSpPr>
             <a:spLocks noGrp="1"/>
           </p:cNvSpPr>
@@ -1127,13 +1137,13 @@
               <a:rPr lang="zh-TW" altLang="en-US" smtClean="0"/>
               <a:t>按一下以編輯母片標題樣式</a:t>
             </a:r>
-            <a:endParaRPr lang="en-US"/>
-          </a:p>
-        </p:txBody>
-      </p:sp>
-      <p:sp>
-        <p:nvSpPr>
-          <p:cNvPr id="3" name="Content Placeholder 2"/>
+            <a:endParaRPr lang="zh-TW" altLang="en-US"/>
+          </a:p>
+        </p:txBody>
+      </p:sp>
+      <p:sp>
+        <p:nvSpPr>
+          <p:cNvPr id="3" name="內容版面配置區 2"/>
           <p:cNvSpPr>
             <a:spLocks noGrp="1"/>
           </p:cNvSpPr>
@@ -1212,13 +1222,13 @@
               <a:rPr lang="zh-TW" altLang="en-US" smtClean="0"/>
               <a:t>第五層</a:t>
             </a:r>
-            <a:endParaRPr lang="en-US"/>
-          </a:p>
-        </p:txBody>
-      </p:sp>
-      <p:sp>
-        <p:nvSpPr>
-          <p:cNvPr id="4" name="Content Placeholder 3"/>
+            <a:endParaRPr lang="zh-TW" altLang="en-US"/>
+          </a:p>
+        </p:txBody>
+      </p:sp>
+      <p:sp>
+        <p:nvSpPr>
+          <p:cNvPr id="4" name="內容版面配置區 3"/>
           <p:cNvSpPr>
             <a:spLocks noGrp="1"/>
           </p:cNvSpPr>
@@ -1297,13 +1307,13 @@
               <a:rPr lang="zh-TW" altLang="en-US" smtClean="0"/>
               <a:t>第五層</a:t>
             </a:r>
-            <a:endParaRPr lang="en-US"/>
-          </a:p>
-        </p:txBody>
-      </p:sp>
-      <p:sp>
-        <p:nvSpPr>
-          <p:cNvPr id="5" name="Date Placeholder 4"/>
+            <a:endParaRPr lang="zh-TW" altLang="en-US"/>
+          </a:p>
+        </p:txBody>
+      </p:sp>
+      <p:sp>
+        <p:nvSpPr>
+          <p:cNvPr id="5" name="日期版面配置區 4"/>
           <p:cNvSpPr>
             <a:spLocks noGrp="1"/>
           </p:cNvSpPr>
@@ -1318,7 +1328,8 @@
           <a:p>
             <a:fld id="{DB6A4473-6871-43EA-8769-892AAA22AF74}" type="datetimeFigureOut">
               <a:rPr lang="zh-TW" altLang="en-US" smtClean="0"/>
-              <a:t>2017/4/30</a:t>
+              <a:pPr/>
+              <a:t>2019/2/16</a:t>
             </a:fld>
             <a:endParaRPr lang="zh-TW" altLang="en-US"/>
           </a:p>
@@ -1326,7 +1337,7 @@
       </p:sp>
       <p:sp>
         <p:nvSpPr>
-          <p:cNvPr id="6" name="Footer Placeholder 5"/>
+          <p:cNvPr id="6" name="頁尾版面配置區 5"/>
           <p:cNvSpPr>
             <a:spLocks noGrp="1"/>
           </p:cNvSpPr>
@@ -1345,7 +1356,7 @@
       </p:sp>
       <p:sp>
         <p:nvSpPr>
-          <p:cNvPr id="7" name="Slide Number Placeholder 6"/>
+          <p:cNvPr id="7" name="投影片編號版面配置區 6"/>
           <p:cNvSpPr>
             <a:spLocks noGrp="1"/>
           </p:cNvSpPr>
@@ -1360,6 +1371,7 @@
           <a:p>
             <a:fld id="{5731F346-57BF-444E-99B5-2774E9940C57}" type="slidenum">
               <a:rPr lang="zh-TW" altLang="en-US" smtClean="0"/>
+              <a:pPr/>
               <a:t>‹#›</a:t>
             </a:fld>
             <a:endParaRPr lang="zh-TW" altLang="en-US"/>
@@ -1393,7 +1405,7 @@
       </p:grpSpPr>
       <p:sp>
         <p:nvSpPr>
-          <p:cNvPr id="2" name="Title 1"/>
+          <p:cNvPr id="2" name="標題 1"/>
           <p:cNvSpPr>
             <a:spLocks noGrp="1"/>
           </p:cNvSpPr>
@@ -1414,13 +1426,13 @@
               <a:rPr lang="zh-TW" altLang="en-US" smtClean="0"/>
               <a:t>按一下以編輯母片標題樣式</a:t>
             </a:r>
-            <a:endParaRPr lang="en-US"/>
-          </a:p>
-        </p:txBody>
-      </p:sp>
-      <p:sp>
-        <p:nvSpPr>
-          <p:cNvPr id="3" name="Text Placeholder 2"/>
+            <a:endParaRPr lang="zh-TW" altLang="en-US"/>
+          </a:p>
+        </p:txBody>
+      </p:sp>
+      <p:sp>
+        <p:nvSpPr>
+          <p:cNvPr id="3" name="文字版面配置區 2"/>
           <p:cNvSpPr>
             <a:spLocks noGrp="1"/>
           </p:cNvSpPr>
@@ -1485,7 +1497,7 @@
       </p:sp>
       <p:sp>
         <p:nvSpPr>
-          <p:cNvPr id="4" name="Content Placeholder 3"/>
+          <p:cNvPr id="4" name="內容版面配置區 3"/>
           <p:cNvSpPr>
             <a:spLocks noGrp="1"/>
           </p:cNvSpPr>
@@ -1564,13 +1576,13 @@
               <a:rPr lang="zh-TW" altLang="en-US" smtClean="0"/>
               <a:t>第五層</a:t>
             </a:r>
-            <a:endParaRPr lang="en-US"/>
-          </a:p>
-        </p:txBody>
-      </p:sp>
-      <p:sp>
-        <p:nvSpPr>
-          <p:cNvPr id="5" name="Text Placeholder 4"/>
+            <a:endParaRPr lang="zh-TW" altLang="en-US"/>
+          </a:p>
+        </p:txBody>
+      </p:sp>
+      <p:sp>
+        <p:nvSpPr>
+          <p:cNvPr id="5" name="文字版面配置區 4"/>
           <p:cNvSpPr>
             <a:spLocks noGrp="1"/>
           </p:cNvSpPr>
@@ -1635,7 +1647,7 @@
       </p:sp>
       <p:sp>
         <p:nvSpPr>
-          <p:cNvPr id="6" name="Content Placeholder 5"/>
+          <p:cNvPr id="6" name="內容版面配置區 5"/>
           <p:cNvSpPr>
             <a:spLocks noGrp="1"/>
           </p:cNvSpPr>
@@ -1714,13 +1726,13 @@
               <a:rPr lang="zh-TW" altLang="en-US" smtClean="0"/>
               <a:t>第五層</a:t>
             </a:r>
-            <a:endParaRPr lang="en-US"/>
-          </a:p>
-        </p:txBody>
-      </p:sp>
-      <p:sp>
-        <p:nvSpPr>
-          <p:cNvPr id="7" name="Date Placeholder 6"/>
+            <a:endParaRPr lang="zh-TW" altLang="en-US"/>
+          </a:p>
+        </p:txBody>
+      </p:sp>
+      <p:sp>
+        <p:nvSpPr>
+          <p:cNvPr id="7" name="日期版面配置區 6"/>
           <p:cNvSpPr>
             <a:spLocks noGrp="1"/>
           </p:cNvSpPr>
@@ -1735,7 +1747,8 @@
           <a:p>
             <a:fld id="{DB6A4473-6871-43EA-8769-892AAA22AF74}" type="datetimeFigureOut">
               <a:rPr lang="zh-TW" altLang="en-US" smtClean="0"/>
-              <a:t>2017/4/30</a:t>
+              <a:pPr/>
+              <a:t>2019/2/16</a:t>
             </a:fld>
             <a:endParaRPr lang="zh-TW" altLang="en-US"/>
           </a:p>
@@ -1743,7 +1756,7 @@
       </p:sp>
       <p:sp>
         <p:nvSpPr>
-          <p:cNvPr id="8" name="Footer Placeholder 7"/>
+          <p:cNvPr id="8" name="頁尾版面配置區 7"/>
           <p:cNvSpPr>
             <a:spLocks noGrp="1"/>
           </p:cNvSpPr>
@@ -1762,7 +1775,7 @@
       </p:sp>
       <p:sp>
         <p:nvSpPr>
-          <p:cNvPr id="9" name="Slide Number Placeholder 8"/>
+          <p:cNvPr id="9" name="投影片編號版面配置區 8"/>
           <p:cNvSpPr>
             <a:spLocks noGrp="1"/>
           </p:cNvSpPr>
@@ -1777,6 +1790,7 @@
           <a:p>
             <a:fld id="{5731F346-57BF-444E-99B5-2774E9940C57}" type="slidenum">
               <a:rPr lang="zh-TW" altLang="en-US" smtClean="0"/>
+              <a:pPr/>
               <a:t>‹#›</a:t>
             </a:fld>
             <a:endParaRPr lang="zh-TW" altLang="en-US"/>
@@ -1810,7 +1824,7 @@
       </p:grpSpPr>
       <p:sp>
         <p:nvSpPr>
-          <p:cNvPr id="2" name="Title 1"/>
+          <p:cNvPr id="2" name="標題 1"/>
           <p:cNvSpPr>
             <a:spLocks noGrp="1"/>
           </p:cNvSpPr>
@@ -1827,13 +1841,13 @@
               <a:rPr lang="zh-TW" altLang="en-US" smtClean="0"/>
               <a:t>按一下以編輯母片標題樣式</a:t>
             </a:r>
-            <a:endParaRPr lang="en-US"/>
-          </a:p>
-        </p:txBody>
-      </p:sp>
-      <p:sp>
-        <p:nvSpPr>
-          <p:cNvPr id="3" name="Date Placeholder 2"/>
+            <a:endParaRPr lang="zh-TW" altLang="en-US"/>
+          </a:p>
+        </p:txBody>
+      </p:sp>
+      <p:sp>
+        <p:nvSpPr>
+          <p:cNvPr id="3" name="日期版面配置區 2"/>
           <p:cNvSpPr>
             <a:spLocks noGrp="1"/>
           </p:cNvSpPr>
@@ -1848,7 +1862,8 @@
           <a:p>
             <a:fld id="{DB6A4473-6871-43EA-8769-892AAA22AF74}" type="datetimeFigureOut">
               <a:rPr lang="zh-TW" altLang="en-US" smtClean="0"/>
-              <a:t>2017/4/30</a:t>
+              <a:pPr/>
+              <a:t>2019/2/16</a:t>
             </a:fld>
             <a:endParaRPr lang="zh-TW" altLang="en-US"/>
           </a:p>
@@ -1856,7 +1871,7 @@
       </p:sp>
       <p:sp>
         <p:nvSpPr>
-          <p:cNvPr id="4" name="Footer Placeholder 3"/>
+          <p:cNvPr id="4" name="頁尾版面配置區 3"/>
           <p:cNvSpPr>
             <a:spLocks noGrp="1"/>
           </p:cNvSpPr>
@@ -1875,7 +1890,7 @@
       </p:sp>
       <p:sp>
         <p:nvSpPr>
-          <p:cNvPr id="5" name="Slide Number Placeholder 4"/>
+          <p:cNvPr id="5" name="投影片編號版面配置區 4"/>
           <p:cNvSpPr>
             <a:spLocks noGrp="1"/>
           </p:cNvSpPr>
@@ -1890,6 +1905,7 @@
           <a:p>
             <a:fld id="{5731F346-57BF-444E-99B5-2774E9940C57}" type="slidenum">
               <a:rPr lang="zh-TW" altLang="en-US" smtClean="0"/>
+              <a:pPr/>
               <a:t>‹#›</a:t>
             </a:fld>
             <a:endParaRPr lang="zh-TW" altLang="en-US"/>
@@ -1923,7 +1939,7 @@
       </p:grpSpPr>
       <p:sp>
         <p:nvSpPr>
-          <p:cNvPr id="2" name="Date Placeholder 1"/>
+          <p:cNvPr id="2" name="日期版面配置區 1"/>
           <p:cNvSpPr>
             <a:spLocks noGrp="1"/>
           </p:cNvSpPr>
@@ -1938,7 +1954,8 @@
           <a:p>
             <a:fld id="{DB6A4473-6871-43EA-8769-892AAA22AF74}" type="datetimeFigureOut">
               <a:rPr lang="zh-TW" altLang="en-US" smtClean="0"/>
-              <a:t>2017/4/30</a:t>
+              <a:pPr/>
+              <a:t>2019/2/16</a:t>
             </a:fld>
             <a:endParaRPr lang="zh-TW" altLang="en-US"/>
           </a:p>
@@ -1946,7 +1963,7 @@
       </p:sp>
       <p:sp>
         <p:nvSpPr>
-          <p:cNvPr id="3" name="Footer Placeholder 2"/>
+          <p:cNvPr id="3" name="頁尾版面配置區 2"/>
           <p:cNvSpPr>
             <a:spLocks noGrp="1"/>
           </p:cNvSpPr>
@@ -1965,7 +1982,7 @@
       </p:sp>
       <p:sp>
         <p:nvSpPr>
-          <p:cNvPr id="4" name="Slide Number Placeholder 3"/>
+          <p:cNvPr id="4" name="投影片編號版面配置區 3"/>
           <p:cNvSpPr>
             <a:spLocks noGrp="1"/>
           </p:cNvSpPr>
@@ -1980,6 +1997,7 @@
           <a:p>
             <a:fld id="{5731F346-57BF-444E-99B5-2774E9940C57}" type="slidenum">
               <a:rPr lang="zh-TW" altLang="en-US" smtClean="0"/>
+              <a:pPr/>
               <a:t>‹#›</a:t>
             </a:fld>
             <a:endParaRPr lang="zh-TW" altLang="en-US"/>
@@ -2013,7 +2031,7 @@
       </p:grpSpPr>
       <p:sp>
         <p:nvSpPr>
-          <p:cNvPr id="2" name="Title 1"/>
+          <p:cNvPr id="2" name="標題 1"/>
           <p:cNvSpPr>
             <a:spLocks noGrp="1"/>
           </p:cNvSpPr>
@@ -2039,13 +2057,13 @@
               <a:rPr lang="zh-TW" altLang="en-US" smtClean="0"/>
               <a:t>按一下以編輯母片標題樣式</a:t>
             </a:r>
-            <a:endParaRPr lang="en-US"/>
-          </a:p>
-        </p:txBody>
-      </p:sp>
-      <p:sp>
-        <p:nvSpPr>
-          <p:cNvPr id="3" name="Content Placeholder 2"/>
+            <a:endParaRPr lang="zh-TW" altLang="en-US"/>
+          </a:p>
+        </p:txBody>
+      </p:sp>
+      <p:sp>
+        <p:nvSpPr>
+          <p:cNvPr id="3" name="內容版面配置區 2"/>
           <p:cNvSpPr>
             <a:spLocks noGrp="1"/>
           </p:cNvSpPr>
@@ -2124,13 +2142,13 @@
               <a:rPr lang="zh-TW" altLang="en-US" smtClean="0"/>
               <a:t>第五層</a:t>
             </a:r>
-            <a:endParaRPr lang="en-US"/>
-          </a:p>
-        </p:txBody>
-      </p:sp>
-      <p:sp>
-        <p:nvSpPr>
-          <p:cNvPr id="4" name="Text Placeholder 3"/>
+            <a:endParaRPr lang="zh-TW" altLang="en-US"/>
+          </a:p>
+        </p:txBody>
+      </p:sp>
+      <p:sp>
+        <p:nvSpPr>
+          <p:cNvPr id="4" name="文字版面配置區 3"/>
           <p:cNvSpPr>
             <a:spLocks noGrp="1"/>
           </p:cNvSpPr>
@@ -2195,7 +2213,7 @@
       </p:sp>
       <p:sp>
         <p:nvSpPr>
-          <p:cNvPr id="5" name="Date Placeholder 4"/>
+          <p:cNvPr id="5" name="日期版面配置區 4"/>
           <p:cNvSpPr>
             <a:spLocks noGrp="1"/>
           </p:cNvSpPr>
@@ -2210,7 +2228,8 @@
           <a:p>
             <a:fld id="{DB6A4473-6871-43EA-8769-892AAA22AF74}" type="datetimeFigureOut">
               <a:rPr lang="zh-TW" altLang="en-US" smtClean="0"/>
-              <a:t>2017/4/30</a:t>
+              <a:pPr/>
+              <a:t>2019/2/16</a:t>
             </a:fld>
             <a:endParaRPr lang="zh-TW" altLang="en-US"/>
           </a:p>
@@ -2218,7 +2237,7 @@
       </p:sp>
       <p:sp>
         <p:nvSpPr>
-          <p:cNvPr id="6" name="Footer Placeholder 5"/>
+          <p:cNvPr id="6" name="頁尾版面配置區 5"/>
           <p:cNvSpPr>
             <a:spLocks noGrp="1"/>
           </p:cNvSpPr>
@@ -2237,7 +2256,7 @@
       </p:sp>
       <p:sp>
         <p:nvSpPr>
-          <p:cNvPr id="7" name="Slide Number Placeholder 6"/>
+          <p:cNvPr id="7" name="投影片編號版面配置區 6"/>
           <p:cNvSpPr>
             <a:spLocks noGrp="1"/>
           </p:cNvSpPr>
@@ -2252,6 +2271,7 @@
           <a:p>
             <a:fld id="{5731F346-57BF-444E-99B5-2774E9940C57}" type="slidenum">
               <a:rPr lang="zh-TW" altLang="en-US" smtClean="0"/>
+              <a:pPr/>
               <a:t>‹#›</a:t>
             </a:fld>
             <a:endParaRPr lang="zh-TW" altLang="en-US"/>
@@ -2285,7 +2305,7 @@
       </p:grpSpPr>
       <p:sp>
         <p:nvSpPr>
-          <p:cNvPr id="2" name="Title 1"/>
+          <p:cNvPr id="2" name="標題 1"/>
           <p:cNvSpPr>
             <a:spLocks noGrp="1"/>
           </p:cNvSpPr>
@@ -2311,13 +2331,13 @@
               <a:rPr lang="zh-TW" altLang="en-US" smtClean="0"/>
               <a:t>按一下以編輯母片標題樣式</a:t>
             </a:r>
-            <a:endParaRPr lang="en-US"/>
-          </a:p>
-        </p:txBody>
-      </p:sp>
-      <p:sp>
-        <p:nvSpPr>
-          <p:cNvPr id="3" name="Picture Placeholder 2"/>
+            <a:endParaRPr lang="zh-TW" altLang="en-US"/>
+          </a:p>
+        </p:txBody>
+      </p:sp>
+      <p:sp>
+        <p:nvSpPr>
+          <p:cNvPr id="3" name="圖片版面配置區 2"/>
           <p:cNvSpPr>
             <a:spLocks noGrp="1"/>
           </p:cNvSpPr>
@@ -2376,13 +2396,13 @@
               <a:rPr lang="zh-TW" altLang="en-US" smtClean="0"/>
               <a:t>按一下圖示以新增圖片</a:t>
             </a:r>
-            <a:endParaRPr lang="en-US"/>
-          </a:p>
-        </p:txBody>
-      </p:sp>
-      <p:sp>
-        <p:nvSpPr>
-          <p:cNvPr id="4" name="Text Placeholder 3"/>
+            <a:endParaRPr lang="zh-TW" altLang="en-US"/>
+          </a:p>
+        </p:txBody>
+      </p:sp>
+      <p:sp>
+        <p:nvSpPr>
+          <p:cNvPr id="4" name="文字版面配置區 3"/>
           <p:cNvSpPr>
             <a:spLocks noGrp="1"/>
           </p:cNvSpPr>
@@ -2447,7 +2467,7 @@
       </p:sp>
       <p:sp>
         <p:nvSpPr>
-          <p:cNvPr id="5" name="Date Placeholder 4"/>
+          <p:cNvPr id="5" name="日期版面配置區 4"/>
           <p:cNvSpPr>
             <a:spLocks noGrp="1"/>
           </p:cNvSpPr>
@@ -2462,7 +2482,8 @@
           <a:p>
             <a:fld id="{DB6A4473-6871-43EA-8769-892AAA22AF74}" type="datetimeFigureOut">
               <a:rPr lang="zh-TW" altLang="en-US" smtClean="0"/>
-              <a:t>2017/4/30</a:t>
+              <a:pPr/>
+              <a:t>2019/2/16</a:t>
             </a:fld>
             <a:endParaRPr lang="zh-TW" altLang="en-US"/>
           </a:p>
@@ -2470,7 +2491,7 @@
       </p:sp>
       <p:sp>
         <p:nvSpPr>
-          <p:cNvPr id="6" name="Footer Placeholder 5"/>
+          <p:cNvPr id="6" name="頁尾版面配置區 5"/>
           <p:cNvSpPr>
             <a:spLocks noGrp="1"/>
           </p:cNvSpPr>
@@ -2489,7 +2510,7 @@
       </p:sp>
       <p:sp>
         <p:nvSpPr>
-          <p:cNvPr id="7" name="Slide Number Placeholder 6"/>
+          <p:cNvPr id="7" name="投影片編號版面配置區 6"/>
           <p:cNvSpPr>
             <a:spLocks noGrp="1"/>
           </p:cNvSpPr>
@@ -2504,6 +2525,7 @@
           <a:p>
             <a:fld id="{5731F346-57BF-444E-99B5-2774E9940C57}" type="slidenum">
               <a:rPr lang="zh-TW" altLang="en-US" smtClean="0"/>
+              <a:pPr/>
               <a:t>‹#›</a:t>
             </a:fld>
             <a:endParaRPr lang="zh-TW" altLang="en-US"/>
@@ -2524,13 +2546,9 @@
     <p:bg>
       <p:bgPr>
         <a:blipFill dpi="0" rotWithShape="1">
-          <a:blip r:embed="rId13">
-            <a:lum/>
-          </a:blip>
+          <a:blip r:embed="rId13"/>
           <a:srcRect/>
-          <a:stretch>
-            <a:fillRect/>
-          </a:stretch>
+          <a:tile tx="0" ty="0" sx="100000" sy="100000" flip="none" algn="tl"/>
         </a:blipFill>
         <a:effectLst/>
       </p:bgPr>
@@ -2551,7 +2569,7 @@
       </p:grpSpPr>
       <p:sp>
         <p:nvSpPr>
-          <p:cNvPr id="2" name="Title Placeholder 1"/>
+          <p:cNvPr id="2" name="標題版面配置區 1"/>
           <p:cNvSpPr>
             <a:spLocks noGrp="1"/>
           </p:cNvSpPr>
@@ -2578,13 +2596,13 @@
               <a:rPr lang="zh-TW" altLang="en-US" smtClean="0"/>
               <a:t>按一下以編輯母片標題樣式</a:t>
             </a:r>
-            <a:endParaRPr lang="en-US"/>
-          </a:p>
-        </p:txBody>
-      </p:sp>
-      <p:sp>
-        <p:nvSpPr>
-          <p:cNvPr id="3" name="Text Placeholder 2"/>
+            <a:endParaRPr lang="zh-TW" altLang="en-US"/>
+          </a:p>
+        </p:txBody>
+      </p:sp>
+      <p:sp>
+        <p:nvSpPr>
+          <p:cNvPr id="3" name="文字版面配置區 2"/>
           <p:cNvSpPr>
             <a:spLocks noGrp="1"/>
           </p:cNvSpPr>
@@ -2640,13 +2658,13 @@
               <a:rPr lang="zh-TW" altLang="en-US" smtClean="0"/>
               <a:t>第五層</a:t>
             </a:r>
-            <a:endParaRPr lang="en-US"/>
-          </a:p>
-        </p:txBody>
-      </p:sp>
-      <p:sp>
-        <p:nvSpPr>
-          <p:cNvPr id="4" name="Date Placeholder 3"/>
+            <a:endParaRPr lang="zh-TW" altLang="en-US"/>
+          </a:p>
+        </p:txBody>
+      </p:sp>
+      <p:sp>
+        <p:nvSpPr>
+          <p:cNvPr id="4" name="日期版面配置區 3"/>
           <p:cNvSpPr>
             <a:spLocks noGrp="1"/>
           </p:cNvSpPr>
@@ -2679,7 +2697,8 @@
           <a:p>
             <a:fld id="{DB6A4473-6871-43EA-8769-892AAA22AF74}" type="datetimeFigureOut">
               <a:rPr lang="zh-TW" altLang="en-US" smtClean="0"/>
-              <a:t>2017/4/30</a:t>
+              <a:pPr/>
+              <a:t>2019/2/16</a:t>
             </a:fld>
             <a:endParaRPr lang="zh-TW" altLang="en-US"/>
           </a:p>
@@ -2687,7 +2706,7 @@
       </p:sp>
       <p:sp>
         <p:nvSpPr>
-          <p:cNvPr id="5" name="Footer Placeholder 4"/>
+          <p:cNvPr id="5" name="頁尾版面配置區 4"/>
           <p:cNvSpPr>
             <a:spLocks noGrp="1"/>
           </p:cNvSpPr>
@@ -2724,7 +2743,7 @@
       </p:sp>
       <p:sp>
         <p:nvSpPr>
-          <p:cNvPr id="6" name="Slide Number Placeholder 5"/>
+          <p:cNvPr id="6" name="投影片編號版面配置區 5"/>
           <p:cNvSpPr>
             <a:spLocks noGrp="1"/>
           </p:cNvSpPr>
@@ -2757,6 +2776,7 @@
           <a:p>
             <a:fld id="{5731F346-57BF-444E-99B5-2774E9940C57}" type="slidenum">
               <a:rPr lang="zh-TW" altLang="en-US" smtClean="0"/>
+              <a:pPr/>
               <a:t>‹#›</a:t>
             </a:fld>
             <a:endParaRPr lang="zh-TW" altLang="en-US"/>
@@ -2767,17 +2787,17 @@
   </p:cSld>
   <p:clrMap bg1="lt1" tx1="dk1" bg2="lt2" tx2="dk2" accent1="accent1" accent2="accent2" accent3="accent3" accent4="accent4" accent5="accent5" accent6="accent6" hlink="hlink" folHlink="folHlink"/>
   <p:sldLayoutIdLst>
-    <p:sldLayoutId id="2147483661" r:id="rId1"/>
-    <p:sldLayoutId id="2147483662" r:id="rId2"/>
-    <p:sldLayoutId id="2147483663" r:id="rId3"/>
-    <p:sldLayoutId id="2147483664" r:id="rId4"/>
-    <p:sldLayoutId id="2147483665" r:id="rId5"/>
-    <p:sldLayoutId id="2147483666" r:id="rId6"/>
-    <p:sldLayoutId id="2147483667" r:id="rId7"/>
-    <p:sldLayoutId id="2147483668" r:id="rId8"/>
-    <p:sldLayoutId id="2147483669" r:id="rId9"/>
-    <p:sldLayoutId id="2147483670" r:id="rId10"/>
-    <p:sldLayoutId id="2147483671" r:id="rId11"/>
+    <p:sldLayoutId id="2147483673" r:id="rId1"/>
+    <p:sldLayoutId id="2147483674" r:id="rId2"/>
+    <p:sldLayoutId id="2147483675" r:id="rId3"/>
+    <p:sldLayoutId id="2147483676" r:id="rId4"/>
+    <p:sldLayoutId id="2147483677" r:id="rId5"/>
+    <p:sldLayoutId id="2147483678" r:id="rId6"/>
+    <p:sldLayoutId id="2147483679" r:id="rId7"/>
+    <p:sldLayoutId id="2147483680" r:id="rId8"/>
+    <p:sldLayoutId id="2147483681" r:id="rId9"/>
+    <p:sldLayoutId id="2147483682" r:id="rId10"/>
+    <p:sldLayoutId id="2147483683" r:id="rId11"/>
   </p:sldLayoutIdLst>
   <p:txStyles>
     <p:titleStyle>
@@ -2935,7 +2955,7 @@
     </p:bodyStyle>
     <p:otherStyle>
       <a:defPPr>
-        <a:defRPr lang="en-US"/>
+        <a:defRPr lang="zh-TW"/>
       </a:defPPr>
       <a:lvl1pPr marL="0" algn="l" defTabSz="914400" rtl="0" eaLnBrk="1" latinLnBrk="0" hangingPunct="1">
         <a:defRPr sz="1800" kern="1200">
@@ -3065,7 +3085,13 @@
           <a:lstStyle/>
           <a:p>
             <a:r>
-              <a:rPr lang="zh-TW" altLang="en-US" dirty="0"/>
+              <a:rPr lang="zh-TW" altLang="en-US" b="1" dirty="0">
+                <a:solidFill>
+                  <a:srgbClr val="000066"/>
+                </a:solidFill>
+                <a:latin typeface="微軟正黑體" pitchFamily="34" charset="-120"/>
+                <a:ea typeface="微軟正黑體" pitchFamily="34" charset="-120"/>
+              </a:rPr>
               <a:t>除你以外</a:t>
             </a:r>
           </a:p>
@@ -3097,92 +3123,88 @@
               <a:buNone/>
             </a:pPr>
             <a:r>
-              <a:rPr lang="zh-TW" altLang="en-US" sz="5400" dirty="0" smtClean="0"/>
-              <a:t>大地頌讚</a:t>
-            </a:r>
-            <a:r>
-              <a:rPr lang="zh-TW" altLang="en-US" sz="5400" dirty="0" smtClean="0"/>
-              <a:t>歡唱  讚美</a:t>
-            </a:r>
-            <a:r>
-              <a:rPr lang="zh-TW" altLang="en-US" sz="5400" dirty="0" smtClean="0"/>
-              <a:t>你</a:t>
-            </a:r>
-            <a:r>
-              <a:rPr lang="zh-TW" altLang="en-US" sz="5400" dirty="0" smtClean="0"/>
-              <a:t>名字</a:t>
-            </a:r>
-            <a:endParaRPr lang="en-US" altLang="zh-TW" sz="5400" dirty="0" smtClean="0"/>
+              <a:rPr lang="zh-TW" altLang="en-US" sz="5400" b="1" dirty="0" smtClean="0">
+                <a:solidFill>
+                  <a:srgbClr val="000066"/>
+                </a:solidFill>
+                <a:latin typeface="微軟正黑體" pitchFamily="34" charset="-120"/>
+                <a:ea typeface="微軟正黑體" pitchFamily="34" charset="-120"/>
+              </a:rPr>
+              <a:t>大地頌讚歡唱  讚美你名字</a:t>
+            </a:r>
+            <a:endParaRPr lang="en-US" altLang="zh-TW" sz="5400" b="1" dirty="0" smtClean="0">
+              <a:solidFill>
+                <a:srgbClr val="000066"/>
+              </a:solidFill>
+              <a:latin typeface="微軟正黑體" pitchFamily="34" charset="-120"/>
+              <a:ea typeface="微軟正黑體" pitchFamily="34" charset="-120"/>
+            </a:endParaRPr>
           </a:p>
           <a:p>
             <a:pPr algn="ctr">
               <a:buNone/>
             </a:pPr>
             <a:r>
-              <a:rPr lang="zh-TW" altLang="en-US" sz="5400" dirty="0" smtClean="0"/>
-              <a:t>耶穌</a:t>
-            </a:r>
-            <a:r>
-              <a:rPr lang="zh-TW" altLang="en-US" sz="5400" dirty="0" smtClean="0"/>
-              <a:t>尊貴高超過</a:t>
-            </a:r>
-            <a:r>
-              <a:rPr lang="zh-TW" altLang="en-US" sz="5400" dirty="0" smtClean="0"/>
-              <a:t>一切</a:t>
-            </a:r>
-            <a:endParaRPr lang="en-US" altLang="zh-TW" sz="5400" dirty="0" smtClean="0"/>
+              <a:rPr lang="zh-TW" altLang="en-US" sz="5400" b="1" dirty="0" smtClean="0">
+                <a:solidFill>
+                  <a:srgbClr val="000066"/>
+                </a:solidFill>
+                <a:latin typeface="微軟正黑體" pitchFamily="34" charset="-120"/>
+                <a:ea typeface="微軟正黑體" pitchFamily="34" charset="-120"/>
+              </a:rPr>
+              <a:t>耶穌尊貴高超過一切</a:t>
+            </a:r>
+            <a:endParaRPr lang="en-US" altLang="zh-TW" sz="5400" b="1" dirty="0" smtClean="0">
+              <a:solidFill>
+                <a:srgbClr val="000066"/>
+              </a:solidFill>
+              <a:latin typeface="微軟正黑體" pitchFamily="34" charset="-120"/>
+              <a:ea typeface="微軟正黑體" pitchFamily="34" charset="-120"/>
+            </a:endParaRPr>
           </a:p>
           <a:p>
             <a:pPr algn="ctr">
               <a:buNone/>
             </a:pPr>
             <a:r>
-              <a:rPr lang="zh-TW" altLang="en-US" sz="5400" dirty="0" smtClean="0"/>
-              <a:t>萬</a:t>
-            </a:r>
-            <a:r>
-              <a:rPr lang="zh-TW" altLang="en-US" sz="5400" dirty="0" smtClean="0"/>
-              <a:t>族萬國</a:t>
-            </a:r>
-            <a:r>
-              <a:rPr lang="zh-TW" altLang="en-US" sz="5400" dirty="0" smtClean="0"/>
-              <a:t>高唱  讚美</a:t>
-            </a:r>
-            <a:r>
-              <a:rPr lang="zh-TW" altLang="en-US" sz="5400" dirty="0" smtClean="0"/>
-              <a:t>你</a:t>
-            </a:r>
-            <a:r>
-              <a:rPr lang="zh-TW" altLang="en-US" sz="5400" dirty="0" smtClean="0"/>
-              <a:t>名字</a:t>
-            </a:r>
-            <a:endParaRPr lang="en-US" altLang="zh-TW" sz="5400" dirty="0" smtClean="0"/>
+              <a:rPr lang="zh-TW" altLang="en-US" sz="5400" b="1" dirty="0" smtClean="0">
+                <a:solidFill>
+                  <a:srgbClr val="000066"/>
+                </a:solidFill>
+                <a:latin typeface="微軟正黑體" pitchFamily="34" charset="-120"/>
+                <a:ea typeface="微軟正黑體" pitchFamily="34" charset="-120"/>
+              </a:rPr>
+              <a:t>萬族萬國高唱  讚美你名字</a:t>
+            </a:r>
+            <a:endParaRPr lang="en-US" altLang="zh-TW" sz="5400" b="1" dirty="0" smtClean="0">
+              <a:solidFill>
+                <a:srgbClr val="000066"/>
+              </a:solidFill>
+              <a:latin typeface="微軟正黑體" pitchFamily="34" charset="-120"/>
+              <a:ea typeface="微軟正黑體" pitchFamily="34" charset="-120"/>
+            </a:endParaRPr>
           </a:p>
           <a:p>
             <a:pPr algn="ctr">
               <a:buNone/>
             </a:pPr>
             <a:r>
-              <a:rPr lang="zh-TW" altLang="en-US" sz="5400" dirty="0" smtClean="0"/>
-              <a:t>從</a:t>
-            </a:r>
-            <a:r>
-              <a:rPr lang="zh-TW" altLang="en-US" sz="5400" dirty="0" smtClean="0"/>
-              <a:t>永遠到</a:t>
-            </a:r>
-            <a:r>
-              <a:rPr lang="zh-TW" altLang="en-US" sz="5400" dirty="0" smtClean="0"/>
-              <a:t>永遠  你</a:t>
-            </a:r>
-            <a:r>
-              <a:rPr lang="zh-TW" altLang="en-US" sz="5400" dirty="0" smtClean="0"/>
-              <a:t>超過諸</a:t>
-            </a:r>
-            <a:r>
-              <a:rPr lang="zh-TW" altLang="en-US" sz="5400" dirty="0" smtClean="0"/>
-              <a:t>天</a:t>
-            </a:r>
-            <a:endParaRPr lang="zh-TW" altLang="en-US" sz="5400" dirty="0"/>
+              <a:rPr lang="zh-TW" altLang="en-US" sz="5400" b="1" dirty="0" smtClean="0">
+                <a:solidFill>
+                  <a:srgbClr val="000066"/>
+                </a:solidFill>
+                <a:latin typeface="微軟正黑體" pitchFamily="34" charset="-120"/>
+                <a:ea typeface="微軟正黑體" pitchFamily="34" charset="-120"/>
+              </a:rPr>
+              <a:t>從永遠到永遠  你超過諸天</a:t>
+            </a:r>
+            <a:endParaRPr lang="zh-TW" altLang="en-US" sz="5400" b="1" dirty="0">
+              <a:solidFill>
+                <a:srgbClr val="000066"/>
+              </a:solidFill>
+              <a:latin typeface="微軟正黑體" pitchFamily="34" charset="-120"/>
+              <a:ea typeface="微軟正黑體" pitchFamily="34" charset="-120"/>
+            </a:endParaRPr>
           </a:p>
         </p:txBody>
       </p:sp>
@@ -3234,7 +3256,13 @@
           <a:lstStyle/>
           <a:p>
             <a:r>
-              <a:rPr lang="zh-TW" altLang="en-US" dirty="0"/>
+              <a:rPr lang="zh-TW" altLang="en-US" b="1" dirty="0">
+                <a:solidFill>
+                  <a:srgbClr val="000066"/>
+                </a:solidFill>
+                <a:latin typeface="微軟正黑體" pitchFamily="34" charset="-120"/>
+                <a:ea typeface="微軟正黑體" pitchFamily="34" charset="-120"/>
+              </a:rPr>
               <a:t>除你以外</a:t>
             </a:r>
           </a:p>
@@ -3266,126 +3294,130 @@
               <a:buNone/>
             </a:pPr>
             <a:r>
-              <a:rPr lang="zh-TW" altLang="en-US" sz="5400" dirty="0" smtClean="0"/>
-              <a:t>除</a:t>
-            </a:r>
-            <a:r>
-              <a:rPr lang="zh-TW" altLang="en-US" sz="5400" dirty="0" smtClean="0"/>
-              <a:t>你</a:t>
-            </a:r>
-            <a:r>
-              <a:rPr lang="zh-TW" altLang="en-US" sz="5400" dirty="0" smtClean="0"/>
-              <a:t>以外  找不到</a:t>
-            </a:r>
-            <a:r>
-              <a:rPr lang="zh-TW" altLang="en-US" sz="5400" dirty="0" smtClean="0"/>
-              <a:t>尊貴像</a:t>
-            </a:r>
-            <a:r>
-              <a:rPr lang="zh-TW" altLang="en-US" sz="5400" dirty="0" smtClean="0"/>
-              <a:t>你</a:t>
-            </a:r>
-            <a:endParaRPr lang="en-US" altLang="zh-TW" sz="5400" dirty="0" smtClean="0"/>
+              <a:rPr lang="zh-TW" altLang="en-US" sz="5400" b="1" dirty="0" smtClean="0">
+                <a:solidFill>
+                  <a:srgbClr val="000066"/>
+                </a:solidFill>
+                <a:latin typeface="微軟正黑體" pitchFamily="34" charset="-120"/>
+                <a:ea typeface="微軟正黑體" pitchFamily="34" charset="-120"/>
+              </a:rPr>
+              <a:t>除你以外  找不到尊貴像你</a:t>
+            </a:r>
+            <a:endParaRPr lang="en-US" altLang="zh-TW" sz="5400" b="1" dirty="0" smtClean="0">
+              <a:solidFill>
+                <a:srgbClr val="000066"/>
+              </a:solidFill>
+              <a:latin typeface="微軟正黑體" pitchFamily="34" charset="-120"/>
+              <a:ea typeface="微軟正黑體" pitchFamily="34" charset="-120"/>
+            </a:endParaRPr>
           </a:p>
           <a:p>
             <a:pPr algn="ctr">
               <a:buNone/>
             </a:pPr>
             <a:r>
-              <a:rPr lang="zh-TW" altLang="en-US" sz="5400" dirty="0" smtClean="0"/>
-              <a:t>除</a:t>
-            </a:r>
-            <a:r>
-              <a:rPr lang="zh-TW" altLang="en-US" sz="5400" dirty="0" smtClean="0"/>
-              <a:t>你</a:t>
-            </a:r>
-            <a:r>
-              <a:rPr lang="zh-TW" altLang="en-US" sz="5400" dirty="0" smtClean="0"/>
-              <a:t>以外  找不到</a:t>
-            </a:r>
-            <a:r>
-              <a:rPr lang="zh-TW" altLang="en-US" sz="5400" dirty="0" smtClean="0"/>
-              <a:t>更美</a:t>
-            </a:r>
-            <a:r>
-              <a:rPr lang="zh-TW" altLang="en-US" sz="5400" dirty="0" smtClean="0"/>
-              <a:t>名字</a:t>
-            </a:r>
-            <a:endParaRPr lang="en-US" altLang="zh-TW" sz="5400" dirty="0" smtClean="0"/>
+              <a:rPr lang="zh-TW" altLang="en-US" sz="5400" b="1" dirty="0" smtClean="0">
+                <a:solidFill>
+                  <a:srgbClr val="000066"/>
+                </a:solidFill>
+                <a:latin typeface="微軟正黑體" pitchFamily="34" charset="-120"/>
+                <a:ea typeface="微軟正黑體" pitchFamily="34" charset="-120"/>
+              </a:rPr>
+              <a:t>除你以外  找不到更美名字</a:t>
+            </a:r>
+            <a:endParaRPr lang="en-US" altLang="zh-TW" sz="5400" b="1" dirty="0" smtClean="0">
+              <a:solidFill>
+                <a:srgbClr val="000066"/>
+              </a:solidFill>
+              <a:latin typeface="微軟正黑體" pitchFamily="34" charset="-120"/>
+              <a:ea typeface="微軟正黑體" pitchFamily="34" charset="-120"/>
+            </a:endParaRPr>
           </a:p>
           <a:p>
             <a:pPr algn="ctr">
               <a:buNone/>
             </a:pPr>
             <a:r>
-              <a:rPr lang="zh-TW" altLang="en-US" sz="5400" dirty="0" smtClean="0"/>
-              <a:t>除</a:t>
-            </a:r>
-            <a:r>
-              <a:rPr lang="zh-TW" altLang="en-US" sz="5400" dirty="0" smtClean="0"/>
-              <a:t>你</a:t>
-            </a:r>
-            <a:r>
-              <a:rPr lang="zh-TW" altLang="en-US" sz="5400" dirty="0" smtClean="0"/>
-              <a:t>以外  並沒有</a:t>
-            </a:r>
-            <a:r>
-              <a:rPr lang="en-US" altLang="zh-TW" sz="5400" dirty="0" smtClean="0"/>
-              <a:t> </a:t>
-            </a:r>
-            <a:r>
-              <a:rPr lang="en-US" altLang="zh-TW" sz="5400" dirty="0" smtClean="0"/>
-              <a:t> </a:t>
-            </a:r>
-            <a:r>
-              <a:rPr lang="zh-TW" altLang="en-US" sz="5400" dirty="0" smtClean="0"/>
+              <a:rPr lang="zh-TW" altLang="en-US" sz="5400" b="1" dirty="0" smtClean="0">
+                <a:solidFill>
+                  <a:srgbClr val="000066"/>
+                </a:solidFill>
+                <a:latin typeface="微軟正黑體" pitchFamily="34" charset="-120"/>
+                <a:ea typeface="微軟正黑體" pitchFamily="34" charset="-120"/>
+              </a:rPr>
+              <a:t>除你以外  並沒有</a:t>
+            </a:r>
+            <a:r>
+              <a:rPr lang="en-US" altLang="zh-TW" sz="5400" b="1" dirty="0" smtClean="0">
+                <a:solidFill>
+                  <a:srgbClr val="000066"/>
+                </a:solidFill>
+                <a:latin typeface="微軟正黑體" pitchFamily="34" charset="-120"/>
+                <a:ea typeface="微軟正黑體" pitchFamily="34" charset="-120"/>
+              </a:rPr>
+              <a:t>  </a:t>
+            </a:r>
+            <a:r>
+              <a:rPr lang="zh-TW" altLang="en-US" sz="5400" b="1" dirty="0" smtClean="0">
+                <a:solidFill>
+                  <a:srgbClr val="000066"/>
+                </a:solidFill>
+                <a:latin typeface="微軟正黑體" pitchFamily="34" charset="-120"/>
+                <a:ea typeface="微軟正黑體" pitchFamily="34" charset="-120"/>
+              </a:rPr>
               <a:t>沒有別名</a:t>
             </a:r>
-            <a:endParaRPr lang="en-US" altLang="zh-TW" sz="5400" dirty="0" smtClean="0"/>
+            <a:endParaRPr lang="en-US" altLang="zh-TW" sz="5400" b="1" dirty="0" smtClean="0">
+              <a:solidFill>
+                <a:srgbClr val="000066"/>
+              </a:solidFill>
+              <a:latin typeface="微軟正黑體" pitchFamily="34" charset="-120"/>
+              <a:ea typeface="微軟正黑體" pitchFamily="34" charset="-120"/>
+            </a:endParaRPr>
           </a:p>
           <a:p>
             <a:pPr algn="ctr">
               <a:buNone/>
             </a:pPr>
             <a:r>
-              <a:rPr lang="zh-TW" altLang="en-US" sz="5400" dirty="0" smtClean="0"/>
-              <a:t>可以</a:t>
-            </a:r>
-            <a:r>
-              <a:rPr lang="zh-TW" altLang="en-US" sz="5400" dirty="0" smtClean="0"/>
-              <a:t>配受</a:t>
-            </a:r>
-            <a:r>
-              <a:rPr lang="zh-TW" altLang="en-US" sz="5400" dirty="0" smtClean="0"/>
-              <a:t>權柄  讚美</a:t>
-            </a:r>
-            <a:r>
-              <a:rPr lang="zh-TW" altLang="en-US" sz="5400" dirty="0" smtClean="0"/>
-              <a:t>以及</a:t>
-            </a:r>
-            <a:r>
-              <a:rPr lang="zh-TW" altLang="en-US" sz="5400" dirty="0" smtClean="0"/>
-              <a:t>崇敬</a:t>
-            </a:r>
-            <a:endParaRPr lang="en-US" altLang="zh-TW" sz="5400" dirty="0" smtClean="0"/>
+              <a:rPr lang="zh-TW" altLang="en-US" sz="5400" b="1" dirty="0" smtClean="0">
+                <a:solidFill>
+                  <a:srgbClr val="000066"/>
+                </a:solidFill>
+                <a:latin typeface="微軟正黑體" pitchFamily="34" charset="-120"/>
+                <a:ea typeface="微軟正黑體" pitchFamily="34" charset="-120"/>
+              </a:rPr>
+              <a:t>可以配受權柄  讚美以及崇敬</a:t>
+            </a:r>
+            <a:endParaRPr lang="en-US" altLang="zh-TW" sz="5400" b="1" dirty="0" smtClean="0">
+              <a:solidFill>
+                <a:srgbClr val="000066"/>
+              </a:solidFill>
+              <a:latin typeface="微軟正黑體" pitchFamily="34" charset="-120"/>
+              <a:ea typeface="微軟正黑體" pitchFamily="34" charset="-120"/>
+            </a:endParaRPr>
           </a:p>
           <a:p>
             <a:pPr algn="ctr">
               <a:buNone/>
             </a:pPr>
             <a:r>
-              <a:rPr lang="zh-TW" altLang="en-US" sz="5400" dirty="0" smtClean="0"/>
-              <a:t>聖潔  國度  榮耀</a:t>
-            </a:r>
-            <a:r>
-              <a:rPr lang="zh-TW" altLang="en-US" sz="5400" dirty="0" smtClean="0"/>
-              <a:t>全屬</a:t>
-            </a:r>
-            <a:r>
-              <a:rPr lang="zh-TW" altLang="en-US" sz="5400" dirty="0" smtClean="0"/>
-              <a:t>你</a:t>
-            </a:r>
-            <a:endParaRPr lang="zh-TW" altLang="en-US" sz="5400" dirty="0"/>
+              <a:rPr lang="zh-TW" altLang="en-US" sz="5400" b="1" dirty="0" smtClean="0">
+                <a:solidFill>
+                  <a:srgbClr val="000066"/>
+                </a:solidFill>
+                <a:latin typeface="微軟正黑體" pitchFamily="34" charset="-120"/>
+                <a:ea typeface="微軟正黑體" pitchFamily="34" charset="-120"/>
+              </a:rPr>
+              <a:t>聖潔  國度  榮耀全屬你</a:t>
+            </a:r>
+            <a:endParaRPr lang="zh-TW" altLang="en-US" sz="5400" b="1" dirty="0">
+              <a:solidFill>
+                <a:srgbClr val="000066"/>
+              </a:solidFill>
+              <a:latin typeface="微軟正黑體" pitchFamily="34" charset="-120"/>
+              <a:ea typeface="微軟正黑體" pitchFamily="34" charset="-120"/>
+            </a:endParaRPr>
           </a:p>
         </p:txBody>
       </p:sp>
@@ -3405,7 +3437,7 @@
 </file>
 
 <file path=ppt/theme/theme1.xml><?xml version="1.0" encoding="utf-8"?>
-<a:theme xmlns:a="http://schemas.openxmlformats.org/drawingml/2006/main" name="佈景主題2">
+<a:theme xmlns:a="http://schemas.openxmlformats.org/drawingml/2006/main" name="佈景主題1">
   <a:themeElements>
     <a:clrScheme name="Office">
       <a:dk1>

--- a/除你以外(粵語).pptx
+++ b/除你以外(粵語).pptx
@@ -8,7 +8,7 @@
     <p:sldId id="257" r:id="rId2"/>
     <p:sldId id="258" r:id="rId3"/>
   </p:sldIdLst>
-  <p:sldSz cx="9144000" cy="6858000" type="screen4x3"/>
+  <p:sldSz cx="9144000" cy="5143500" type="screen16x9"/>
   <p:notesSz cx="6858000" cy="9144000"/>
   <p:defaultTextStyle>
     <a:defPPr>
@@ -137,8 +137,8 @@
         </p:nvSpPr>
         <p:spPr>
           <a:xfrm>
-            <a:off x="685800" y="2130425"/>
-            <a:ext cx="7772400" cy="1470025"/>
+            <a:off x="685800" y="1597819"/>
+            <a:ext cx="7772400" cy="1102519"/>
           </a:xfrm>
         </p:spPr>
         <p:txBody>
@@ -165,8 +165,8 @@
         </p:nvSpPr>
         <p:spPr>
           <a:xfrm>
-            <a:off x="1371600" y="3886200"/>
-            <a:ext cx="6400800" cy="1752600"/>
+            <a:off x="1371600" y="2914650"/>
+            <a:ext cx="6400800" cy="1314450"/>
           </a:xfrm>
         </p:spPr>
         <p:txBody>
@@ -290,7 +290,7 @@
             <a:fld id="{DB6A4473-6871-43EA-8769-892AAA22AF74}" type="datetimeFigureOut">
               <a:rPr lang="zh-TW" altLang="en-US" smtClean="0"/>
               <a:pPr/>
-              <a:t>2019/2/16</a:t>
+              <a:t>2019/7/20</a:t>
             </a:fld>
             <a:endParaRPr lang="zh-TW" altLang="en-US"/>
           </a:p>
@@ -457,7 +457,7 @@
             <a:fld id="{DB6A4473-6871-43EA-8769-892AAA22AF74}" type="datetimeFigureOut">
               <a:rPr lang="zh-TW" altLang="en-US" smtClean="0"/>
               <a:pPr/>
-              <a:t>2019/2/16</a:t>
+              <a:t>2019/7/20</a:t>
             </a:fld>
             <a:endParaRPr lang="zh-TW" altLang="en-US"/>
           </a:p>
@@ -543,8 +543,8 @@
         </p:nvSpPr>
         <p:spPr>
           <a:xfrm>
-            <a:off x="6629400" y="274638"/>
-            <a:ext cx="2057400" cy="5851525"/>
+            <a:off x="6629400" y="205979"/>
+            <a:ext cx="2057400" cy="4388644"/>
           </a:xfrm>
         </p:spPr>
         <p:txBody>
@@ -571,8 +571,8 @@
         </p:nvSpPr>
         <p:spPr>
           <a:xfrm>
-            <a:off x="457200" y="274638"/>
-            <a:ext cx="6019800" cy="5851525"/>
+            <a:off x="457200" y="205979"/>
+            <a:ext cx="6019800" cy="4388644"/>
           </a:xfrm>
         </p:spPr>
         <p:txBody>
@@ -634,7 +634,7 @@
             <a:fld id="{DB6A4473-6871-43EA-8769-892AAA22AF74}" type="datetimeFigureOut">
               <a:rPr lang="zh-TW" altLang="en-US" smtClean="0"/>
               <a:pPr/>
-              <a:t>2019/2/16</a:t>
+              <a:t>2019/7/20</a:t>
             </a:fld>
             <a:endParaRPr lang="zh-TW" altLang="en-US"/>
           </a:p>
@@ -801,7 +801,7 @@
             <a:fld id="{DB6A4473-6871-43EA-8769-892AAA22AF74}" type="datetimeFigureOut">
               <a:rPr lang="zh-TW" altLang="en-US" smtClean="0"/>
               <a:pPr/>
-              <a:t>2019/2/16</a:t>
+              <a:t>2019/7/20</a:t>
             </a:fld>
             <a:endParaRPr lang="zh-TW" altLang="en-US"/>
           </a:p>
@@ -887,8 +887,8 @@
         </p:nvSpPr>
         <p:spPr>
           <a:xfrm>
-            <a:off x="722313" y="4406900"/>
-            <a:ext cx="7772400" cy="1362075"/>
+            <a:off x="722313" y="3305176"/>
+            <a:ext cx="7772400" cy="1021556"/>
           </a:xfrm>
         </p:spPr>
         <p:txBody>
@@ -919,8 +919,8 @@
         </p:nvSpPr>
         <p:spPr>
           <a:xfrm>
-            <a:off x="722313" y="2906713"/>
-            <a:ext cx="7772400" cy="1500187"/>
+            <a:off x="722313" y="2180035"/>
+            <a:ext cx="7772400" cy="1125140"/>
           </a:xfrm>
         </p:spPr>
         <p:txBody>
@@ -1044,7 +1044,7 @@
             <a:fld id="{DB6A4473-6871-43EA-8769-892AAA22AF74}" type="datetimeFigureOut">
               <a:rPr lang="zh-TW" altLang="en-US" smtClean="0"/>
               <a:pPr/>
-              <a:t>2019/2/16</a:t>
+              <a:t>2019/7/20</a:t>
             </a:fld>
             <a:endParaRPr lang="zh-TW" altLang="en-US"/>
           </a:p>
@@ -1153,8 +1153,8 @@
         </p:nvSpPr>
         <p:spPr>
           <a:xfrm>
-            <a:off x="457200" y="1600200"/>
-            <a:ext cx="4038600" cy="4525963"/>
+            <a:off x="457200" y="1200151"/>
+            <a:ext cx="4038600" cy="3394472"/>
           </a:xfrm>
         </p:spPr>
         <p:txBody>
@@ -1238,8 +1238,8 @@
         </p:nvSpPr>
         <p:spPr>
           <a:xfrm>
-            <a:off x="4648200" y="1600200"/>
-            <a:ext cx="4038600" cy="4525963"/>
+            <a:off x="4648200" y="1200151"/>
+            <a:ext cx="4038600" cy="3394472"/>
           </a:xfrm>
         </p:spPr>
         <p:txBody>
@@ -1329,7 +1329,7 @@
             <a:fld id="{DB6A4473-6871-43EA-8769-892AAA22AF74}" type="datetimeFigureOut">
               <a:rPr lang="zh-TW" altLang="en-US" smtClean="0"/>
               <a:pPr/>
-              <a:t>2019/2/16</a:t>
+              <a:t>2019/7/20</a:t>
             </a:fld>
             <a:endParaRPr lang="zh-TW" altLang="en-US"/>
           </a:p>
@@ -1442,8 +1442,8 @@
         </p:nvSpPr>
         <p:spPr>
           <a:xfrm>
-            <a:off x="457200" y="1535113"/>
-            <a:ext cx="4040188" cy="639762"/>
+            <a:off x="457200" y="1151335"/>
+            <a:ext cx="4040188" cy="479822"/>
           </a:xfrm>
         </p:spPr>
         <p:txBody>
@@ -1507,8 +1507,8 @@
         </p:nvSpPr>
         <p:spPr>
           <a:xfrm>
-            <a:off x="457200" y="2174875"/>
-            <a:ext cx="4040188" cy="3951288"/>
+            <a:off x="457200" y="1631156"/>
+            <a:ext cx="4040188" cy="2963466"/>
           </a:xfrm>
         </p:spPr>
         <p:txBody>
@@ -1592,8 +1592,8 @@
         </p:nvSpPr>
         <p:spPr>
           <a:xfrm>
-            <a:off x="4645025" y="1535113"/>
-            <a:ext cx="4041775" cy="639762"/>
+            <a:off x="4645026" y="1151335"/>
+            <a:ext cx="4041775" cy="479822"/>
           </a:xfrm>
         </p:spPr>
         <p:txBody>
@@ -1657,8 +1657,8 @@
         </p:nvSpPr>
         <p:spPr>
           <a:xfrm>
-            <a:off x="4645025" y="2174875"/>
-            <a:ext cx="4041775" cy="3951288"/>
+            <a:off x="4645026" y="1631156"/>
+            <a:ext cx="4041775" cy="2963466"/>
           </a:xfrm>
         </p:spPr>
         <p:txBody>
@@ -1748,7 +1748,7 @@
             <a:fld id="{DB6A4473-6871-43EA-8769-892AAA22AF74}" type="datetimeFigureOut">
               <a:rPr lang="zh-TW" altLang="en-US" smtClean="0"/>
               <a:pPr/>
-              <a:t>2019/2/16</a:t>
+              <a:t>2019/7/20</a:t>
             </a:fld>
             <a:endParaRPr lang="zh-TW" altLang="en-US"/>
           </a:p>
@@ -1863,7 +1863,7 @@
             <a:fld id="{DB6A4473-6871-43EA-8769-892AAA22AF74}" type="datetimeFigureOut">
               <a:rPr lang="zh-TW" altLang="en-US" smtClean="0"/>
               <a:pPr/>
-              <a:t>2019/2/16</a:t>
+              <a:t>2019/7/20</a:t>
             </a:fld>
             <a:endParaRPr lang="zh-TW" altLang="en-US"/>
           </a:p>
@@ -1955,7 +1955,7 @@
             <a:fld id="{DB6A4473-6871-43EA-8769-892AAA22AF74}" type="datetimeFigureOut">
               <a:rPr lang="zh-TW" altLang="en-US" smtClean="0"/>
               <a:pPr/>
-              <a:t>2019/2/16</a:t>
+              <a:t>2019/7/20</a:t>
             </a:fld>
             <a:endParaRPr lang="zh-TW" altLang="en-US"/>
           </a:p>
@@ -2041,8 +2041,8 @@
         </p:nvSpPr>
         <p:spPr>
           <a:xfrm>
-            <a:off x="457200" y="273050"/>
-            <a:ext cx="3008313" cy="1162050"/>
+            <a:off x="457201" y="204787"/>
+            <a:ext cx="3008313" cy="871538"/>
           </a:xfrm>
         </p:spPr>
         <p:txBody>
@@ -2073,8 +2073,8 @@
         </p:nvSpPr>
         <p:spPr>
           <a:xfrm>
-            <a:off x="3575050" y="273050"/>
-            <a:ext cx="5111750" cy="5853113"/>
+            <a:off x="3575050" y="204788"/>
+            <a:ext cx="5111750" cy="4389835"/>
           </a:xfrm>
         </p:spPr>
         <p:txBody>
@@ -2158,8 +2158,8 @@
         </p:nvSpPr>
         <p:spPr>
           <a:xfrm>
-            <a:off x="457200" y="1435100"/>
-            <a:ext cx="3008313" cy="4691063"/>
+            <a:off x="457201" y="1076326"/>
+            <a:ext cx="3008313" cy="3518297"/>
           </a:xfrm>
         </p:spPr>
         <p:txBody>
@@ -2229,7 +2229,7 @@
             <a:fld id="{DB6A4473-6871-43EA-8769-892AAA22AF74}" type="datetimeFigureOut">
               <a:rPr lang="zh-TW" altLang="en-US" smtClean="0"/>
               <a:pPr/>
-              <a:t>2019/2/16</a:t>
+              <a:t>2019/7/20</a:t>
             </a:fld>
             <a:endParaRPr lang="zh-TW" altLang="en-US"/>
           </a:p>
@@ -2315,8 +2315,8 @@
         </p:nvSpPr>
         <p:spPr>
           <a:xfrm>
-            <a:off x="1792288" y="4800600"/>
-            <a:ext cx="5486400" cy="566738"/>
+            <a:off x="1792288" y="3600450"/>
+            <a:ext cx="5486400" cy="425054"/>
           </a:xfrm>
         </p:spPr>
         <p:txBody>
@@ -2347,8 +2347,8 @@
         </p:nvSpPr>
         <p:spPr>
           <a:xfrm>
-            <a:off x="1792288" y="612775"/>
-            <a:ext cx="5486400" cy="4114800"/>
+            <a:off x="1792288" y="459581"/>
+            <a:ext cx="5486400" cy="3086100"/>
           </a:xfrm>
         </p:spPr>
         <p:txBody>
@@ -2412,8 +2412,8 @@
         </p:nvSpPr>
         <p:spPr>
           <a:xfrm>
-            <a:off x="1792288" y="5367338"/>
-            <a:ext cx="5486400" cy="804862"/>
+            <a:off x="1792288" y="4025503"/>
+            <a:ext cx="5486400" cy="603647"/>
           </a:xfrm>
         </p:spPr>
         <p:txBody>
@@ -2483,7 +2483,7 @@
             <a:fld id="{DB6A4473-6871-43EA-8769-892AAA22AF74}" type="datetimeFigureOut">
               <a:rPr lang="zh-TW" altLang="en-US" smtClean="0"/>
               <a:pPr/>
-              <a:t>2019/2/16</a:t>
+              <a:t>2019/7/20</a:t>
             </a:fld>
             <a:endParaRPr lang="zh-TW" altLang="en-US"/>
           </a:p>
@@ -2579,8 +2579,8 @@
         </p:nvSpPr>
         <p:spPr>
           <a:xfrm>
-            <a:off x="457200" y="274638"/>
-            <a:ext cx="8229600" cy="1143000"/>
+            <a:off x="457200" y="205979"/>
+            <a:ext cx="8229600" cy="857250"/>
           </a:xfrm>
           <a:prstGeom prst="rect">
             <a:avLst/>
@@ -2612,8 +2612,8 @@
         </p:nvSpPr>
         <p:spPr>
           <a:xfrm>
-            <a:off x="457200" y="1600200"/>
-            <a:ext cx="8229600" cy="4525963"/>
+            <a:off x="457200" y="1200151"/>
+            <a:ext cx="8229600" cy="3394472"/>
           </a:xfrm>
           <a:prstGeom prst="rect">
             <a:avLst/>
@@ -2674,8 +2674,8 @@
         </p:nvSpPr>
         <p:spPr>
           <a:xfrm>
-            <a:off x="457200" y="6356350"/>
-            <a:ext cx="2133600" cy="365125"/>
+            <a:off x="457200" y="4767263"/>
+            <a:ext cx="2133600" cy="273844"/>
           </a:xfrm>
           <a:prstGeom prst="rect">
             <a:avLst/>
@@ -2698,7 +2698,7 @@
             <a:fld id="{DB6A4473-6871-43EA-8769-892AAA22AF74}" type="datetimeFigureOut">
               <a:rPr lang="zh-TW" altLang="en-US" smtClean="0"/>
               <a:pPr/>
-              <a:t>2019/2/16</a:t>
+              <a:t>2019/7/20</a:t>
             </a:fld>
             <a:endParaRPr lang="zh-TW" altLang="en-US"/>
           </a:p>
@@ -2716,8 +2716,8 @@
         </p:nvSpPr>
         <p:spPr>
           <a:xfrm>
-            <a:off x="3124200" y="6356350"/>
-            <a:ext cx="2895600" cy="365125"/>
+            <a:off x="3124200" y="4767263"/>
+            <a:ext cx="2895600" cy="273844"/>
           </a:xfrm>
           <a:prstGeom prst="rect">
             <a:avLst/>
@@ -2753,8 +2753,8 @@
         </p:nvSpPr>
         <p:spPr>
           <a:xfrm>
-            <a:off x="6553200" y="6356350"/>
-            <a:ext cx="2133600" cy="365125"/>
+            <a:off x="6553200" y="4767263"/>
+            <a:ext cx="2133600" cy="273844"/>
           </a:xfrm>
           <a:prstGeom prst="rect">
             <a:avLst/>
@@ -3081,11 +3081,13 @@
         </p:nvSpPr>
         <p:spPr/>
         <p:txBody>
-          <a:bodyPr/>
-          <a:lstStyle/>
-          <a:p>
-            <a:r>
-              <a:rPr lang="zh-TW" altLang="en-US" b="1" dirty="0">
+          <a:bodyPr>
+            <a:normAutofit/>
+          </a:bodyPr>
+          <a:lstStyle/>
+          <a:p>
+            <a:r>
+              <a:rPr lang="zh-TW" altLang="en-US" sz="4000" b="1" dirty="0">
                 <a:solidFill>
                   <a:srgbClr val="000066"/>
                 </a:solidFill>
@@ -3109,8 +3111,8 @@
         </p:nvSpPr>
         <p:spPr>
           <a:xfrm>
-            <a:off x="0" y="1600200"/>
-            <a:ext cx="9144000" cy="4525963"/>
+            <a:off x="0" y="1200151"/>
+            <a:ext cx="9144000" cy="3394472"/>
           </a:xfrm>
         </p:spPr>
         <p:txBody>
@@ -3123,7 +3125,7 @@
               <a:buNone/>
             </a:pPr>
             <a:r>
-              <a:rPr lang="zh-TW" altLang="en-US" sz="5400" b="1" dirty="0" smtClean="0">
+              <a:rPr lang="zh-TW" altLang="en-US" sz="4400" b="1" dirty="0" smtClean="0">
                 <a:solidFill>
                   <a:srgbClr val="000066"/>
                 </a:solidFill>
@@ -3132,7 +3134,7 @@
               </a:rPr>
               <a:t>大地頌讚歡唱  讚美你名字</a:t>
             </a:r>
-            <a:endParaRPr lang="en-US" altLang="zh-TW" sz="5400" b="1" dirty="0" smtClean="0">
+            <a:endParaRPr lang="en-US" altLang="zh-TW" sz="4400" b="1" dirty="0" smtClean="0">
               <a:solidFill>
                 <a:srgbClr val="000066"/>
               </a:solidFill>
@@ -3145,7 +3147,7 @@
               <a:buNone/>
             </a:pPr>
             <a:r>
-              <a:rPr lang="zh-TW" altLang="en-US" sz="5400" b="1" dirty="0" smtClean="0">
+              <a:rPr lang="zh-TW" altLang="en-US" sz="4400" b="1" dirty="0" smtClean="0">
                 <a:solidFill>
                   <a:srgbClr val="000066"/>
                 </a:solidFill>
@@ -3154,7 +3156,7 @@
               </a:rPr>
               <a:t>耶穌尊貴高超過一切</a:t>
             </a:r>
-            <a:endParaRPr lang="en-US" altLang="zh-TW" sz="5400" b="1" dirty="0" smtClean="0">
+            <a:endParaRPr lang="en-US" altLang="zh-TW" sz="4400" b="1" dirty="0" smtClean="0">
               <a:solidFill>
                 <a:srgbClr val="000066"/>
               </a:solidFill>
@@ -3167,7 +3169,7 @@
               <a:buNone/>
             </a:pPr>
             <a:r>
-              <a:rPr lang="zh-TW" altLang="en-US" sz="5400" b="1" dirty="0" smtClean="0">
+              <a:rPr lang="zh-TW" altLang="en-US" sz="4400" b="1" dirty="0" smtClean="0">
                 <a:solidFill>
                   <a:srgbClr val="000066"/>
                 </a:solidFill>
@@ -3176,7 +3178,7 @@
               </a:rPr>
               <a:t>萬族萬國高唱  讚美你名字</a:t>
             </a:r>
-            <a:endParaRPr lang="en-US" altLang="zh-TW" sz="5400" b="1" dirty="0" smtClean="0">
+            <a:endParaRPr lang="en-US" altLang="zh-TW" sz="4400" b="1" dirty="0" smtClean="0">
               <a:solidFill>
                 <a:srgbClr val="000066"/>
               </a:solidFill>
@@ -3189,7 +3191,7 @@
               <a:buNone/>
             </a:pPr>
             <a:r>
-              <a:rPr lang="zh-TW" altLang="en-US" sz="5400" b="1" dirty="0" smtClean="0">
+              <a:rPr lang="zh-TW" altLang="en-US" sz="4400" b="1" dirty="0" smtClean="0">
                 <a:solidFill>
                   <a:srgbClr val="000066"/>
                 </a:solidFill>
@@ -3198,7 +3200,7 @@
               </a:rPr>
               <a:t>從永遠到永遠  你超過諸天</a:t>
             </a:r>
-            <a:endParaRPr lang="zh-TW" altLang="en-US" sz="5400" b="1" dirty="0">
+            <a:endParaRPr lang="zh-TW" altLang="en-US" sz="4400" b="1" dirty="0">
               <a:solidFill>
                 <a:srgbClr val="000066"/>
               </a:solidFill>
@@ -3252,11 +3254,13 @@
         </p:nvSpPr>
         <p:spPr/>
         <p:txBody>
-          <a:bodyPr/>
-          <a:lstStyle/>
-          <a:p>
-            <a:r>
-              <a:rPr lang="zh-TW" altLang="en-US" b="1" dirty="0">
+          <a:bodyPr>
+            <a:normAutofit/>
+          </a:bodyPr>
+          <a:lstStyle/>
+          <a:p>
+            <a:r>
+              <a:rPr lang="zh-TW" altLang="en-US" sz="4000" b="1" dirty="0">
                 <a:solidFill>
                   <a:srgbClr val="000066"/>
                 </a:solidFill>
@@ -3280,8 +3284,8 @@
         </p:nvSpPr>
         <p:spPr>
           <a:xfrm>
-            <a:off x="0" y="1600200"/>
-            <a:ext cx="9144000" cy="5257800"/>
+            <a:off x="0" y="1200150"/>
+            <a:ext cx="9144000" cy="3943350"/>
           </a:xfrm>
         </p:spPr>
         <p:txBody>
@@ -3294,7 +3298,7 @@
               <a:buNone/>
             </a:pPr>
             <a:r>
-              <a:rPr lang="zh-TW" altLang="en-US" sz="5400" b="1" dirty="0" smtClean="0">
+              <a:rPr lang="zh-TW" altLang="en-US" sz="4400" b="1" dirty="0">
                 <a:solidFill>
                   <a:srgbClr val="000066"/>
                 </a:solidFill>
@@ -3303,7 +3307,7 @@
               </a:rPr>
               <a:t>除你以外  找不到尊貴像你</a:t>
             </a:r>
-            <a:endParaRPr lang="en-US" altLang="zh-TW" sz="5400" b="1" dirty="0" smtClean="0">
+            <a:endParaRPr lang="en-US" altLang="zh-TW" sz="4400" b="1" dirty="0">
               <a:solidFill>
                 <a:srgbClr val="000066"/>
               </a:solidFill>
@@ -3316,7 +3320,7 @@
               <a:buNone/>
             </a:pPr>
             <a:r>
-              <a:rPr lang="zh-TW" altLang="en-US" sz="5400" b="1" dirty="0" smtClean="0">
+              <a:rPr lang="zh-TW" altLang="en-US" sz="4400" b="1" dirty="0">
                 <a:solidFill>
                   <a:srgbClr val="000066"/>
                 </a:solidFill>
@@ -3325,7 +3329,7 @@
               </a:rPr>
               <a:t>除你以外  找不到更美名字</a:t>
             </a:r>
-            <a:endParaRPr lang="en-US" altLang="zh-TW" sz="5400" b="1" dirty="0" smtClean="0">
+            <a:endParaRPr lang="en-US" altLang="zh-TW" sz="4400" b="1" dirty="0">
               <a:solidFill>
                 <a:srgbClr val="000066"/>
               </a:solidFill>
@@ -3338,7 +3342,7 @@
               <a:buNone/>
             </a:pPr>
             <a:r>
-              <a:rPr lang="zh-TW" altLang="en-US" sz="5400" b="1" dirty="0" smtClean="0">
+              <a:rPr lang="zh-TW" altLang="en-US" sz="4400" b="1" dirty="0">
                 <a:solidFill>
                   <a:srgbClr val="000066"/>
                 </a:solidFill>
@@ -3348,7 +3352,7 @@
               <a:t>除你以外  並沒有</a:t>
             </a:r>
             <a:r>
-              <a:rPr lang="en-US" altLang="zh-TW" sz="5400" b="1" dirty="0" smtClean="0">
+              <a:rPr lang="en-US" altLang="zh-TW" sz="4400" b="1" dirty="0">
                 <a:solidFill>
                   <a:srgbClr val="000066"/>
                 </a:solidFill>
@@ -3358,7 +3362,7 @@
               <a:t>  </a:t>
             </a:r>
             <a:r>
-              <a:rPr lang="zh-TW" altLang="en-US" sz="5400" b="1" dirty="0" smtClean="0">
+              <a:rPr lang="zh-TW" altLang="en-US" sz="4400" b="1" dirty="0">
                 <a:solidFill>
                   <a:srgbClr val="000066"/>
                 </a:solidFill>
@@ -3367,7 +3371,7 @@
               </a:rPr>
               <a:t>沒有別名</a:t>
             </a:r>
-            <a:endParaRPr lang="en-US" altLang="zh-TW" sz="5400" b="1" dirty="0" smtClean="0">
+            <a:endParaRPr lang="en-US" altLang="zh-TW" sz="4400" b="1" dirty="0">
               <a:solidFill>
                 <a:srgbClr val="000066"/>
               </a:solidFill>
@@ -3380,7 +3384,7 @@
               <a:buNone/>
             </a:pPr>
             <a:r>
-              <a:rPr lang="zh-TW" altLang="en-US" sz="5400" b="1" dirty="0" smtClean="0">
+              <a:rPr lang="zh-TW" altLang="en-US" sz="4400" b="1" dirty="0">
                 <a:solidFill>
                   <a:srgbClr val="000066"/>
                 </a:solidFill>
@@ -3389,7 +3393,7 @@
               </a:rPr>
               <a:t>可以配受權柄  讚美以及崇敬</a:t>
             </a:r>
-            <a:endParaRPr lang="en-US" altLang="zh-TW" sz="5400" b="1" dirty="0" smtClean="0">
+            <a:endParaRPr lang="en-US" altLang="zh-TW" sz="4400" b="1" dirty="0">
               <a:solidFill>
                 <a:srgbClr val="000066"/>
               </a:solidFill>
@@ -3402,7 +3406,7 @@
               <a:buNone/>
             </a:pPr>
             <a:r>
-              <a:rPr lang="zh-TW" altLang="en-US" sz="5400" b="1" dirty="0" smtClean="0">
+              <a:rPr lang="zh-TW" altLang="en-US" sz="4400" b="1" dirty="0">
                 <a:solidFill>
                   <a:srgbClr val="000066"/>
                 </a:solidFill>
@@ -3411,7 +3415,7 @@
               </a:rPr>
               <a:t>聖潔  國度  榮耀全屬你</a:t>
             </a:r>
-            <a:endParaRPr lang="zh-TW" altLang="en-US" sz="5400" b="1" dirty="0">
+            <a:endParaRPr lang="zh-TW" altLang="en-US" sz="4400" b="1" dirty="0">
               <a:solidFill>
                 <a:srgbClr val="000066"/>
               </a:solidFill>
